--- a/20135730최승우 마지막 발표.pptx
+++ b/20135730최승우 마지막 발표.pptx
@@ -8,26 +8,25 @@
     <p:sldId id="256" r:id="rId2"/>
     <p:sldId id="257" r:id="rId3"/>
     <p:sldId id="258" r:id="rId4"/>
-    <p:sldId id="277" r:id="rId5"/>
-    <p:sldId id="278" r:id="rId6"/>
-    <p:sldId id="259" r:id="rId7"/>
-    <p:sldId id="279" r:id="rId8"/>
-    <p:sldId id="280" r:id="rId9"/>
-    <p:sldId id="261" r:id="rId10"/>
-    <p:sldId id="271" r:id="rId11"/>
-    <p:sldId id="265" r:id="rId12"/>
-    <p:sldId id="266" r:id="rId13"/>
-    <p:sldId id="263" r:id="rId14"/>
-    <p:sldId id="262" r:id="rId15"/>
-    <p:sldId id="275" r:id="rId16"/>
-    <p:sldId id="270" r:id="rId17"/>
-    <p:sldId id="264" r:id="rId18"/>
-    <p:sldId id="268" r:id="rId19"/>
-    <p:sldId id="269" r:id="rId20"/>
-    <p:sldId id="273" r:id="rId21"/>
-    <p:sldId id="281" r:id="rId22"/>
-    <p:sldId id="276" r:id="rId23"/>
-    <p:sldId id="282" r:id="rId24"/>
+    <p:sldId id="278" r:id="rId5"/>
+    <p:sldId id="259" r:id="rId6"/>
+    <p:sldId id="279" r:id="rId7"/>
+    <p:sldId id="280" r:id="rId8"/>
+    <p:sldId id="261" r:id="rId9"/>
+    <p:sldId id="271" r:id="rId10"/>
+    <p:sldId id="265" r:id="rId11"/>
+    <p:sldId id="266" r:id="rId12"/>
+    <p:sldId id="263" r:id="rId13"/>
+    <p:sldId id="262" r:id="rId14"/>
+    <p:sldId id="275" r:id="rId15"/>
+    <p:sldId id="270" r:id="rId16"/>
+    <p:sldId id="264" r:id="rId17"/>
+    <p:sldId id="268" r:id="rId18"/>
+    <p:sldId id="269" r:id="rId19"/>
+    <p:sldId id="273" r:id="rId20"/>
+    <p:sldId id="281" r:id="rId21"/>
+    <p:sldId id="276" r:id="rId22"/>
+    <p:sldId id="282" r:id="rId23"/>
   </p:sldIdLst>
   <p:sldSz cx="12192000" cy="6858000"/>
   <p:notesSz cx="6858000" cy="9144000"/>
@@ -134,7 +133,6 @@
             <p14:sldId id="256"/>
             <p14:sldId id="257"/>
             <p14:sldId id="258"/>
-            <p14:sldId id="277"/>
             <p14:sldId id="278"/>
             <p14:sldId id="259"/>
             <p14:sldId id="279"/>
@@ -163,6 +161,10 @@
     </p:ext>
   </p:extLst>
 </p:presentation>
+</file>
+
+<file path=ppt/revisionInfo.xml><?xml version="1.0" encoding="utf-8"?>
+<p1510:revInfo xmlns:a="http://schemas.openxmlformats.org/drawingml/2006/main" xmlns:r="http://schemas.openxmlformats.org/officeDocument/2006/relationships" xmlns:p1510="http://schemas.microsoft.com/office/powerpoint/2015/10/main"/>
 </file>
 
 <file path=ppt/slideLayouts/slideLayout1.xml><?xml version="1.0" encoding="utf-8"?>
@@ -6306,116 +6308,6 @@
           <p:cNvPr id="2" name="제목 1">
             <a:extLst>
               <a:ext uri="{FF2B5EF4-FFF2-40B4-BE49-F238E27FC236}">
-                <a16:creationId xmlns:a16="http://schemas.microsoft.com/office/drawing/2014/main" id="{B6144FAE-E58C-4946-A42E-BD9A20419221}"/>
-              </a:ext>
-            </a:extLst>
-          </p:cNvPr>
-          <p:cNvSpPr>
-            <a:spLocks noGrp="1"/>
-          </p:cNvSpPr>
-          <p:nvPr>
-            <p:ph type="title"/>
-          </p:nvPr>
-        </p:nvSpPr>
-        <p:spPr/>
-        <p:txBody>
-          <a:bodyPr/>
-          <a:lstStyle/>
-          <a:p>
-            <a:endParaRPr lang="ko-KR" altLang="en-US"/>
-          </a:p>
-        </p:txBody>
-      </p:sp>
-      <p:sp>
-        <p:nvSpPr>
-          <p:cNvPr id="3" name="내용 개체 틀 2">
-            <a:extLst>
-              <a:ext uri="{FF2B5EF4-FFF2-40B4-BE49-F238E27FC236}">
-                <a16:creationId xmlns:a16="http://schemas.microsoft.com/office/drawing/2014/main" id="{D5C7228C-F46E-4643-B204-17544C5CAA74}"/>
-              </a:ext>
-            </a:extLst>
-          </p:cNvPr>
-          <p:cNvSpPr>
-            <a:spLocks noGrp="1"/>
-          </p:cNvSpPr>
-          <p:nvPr>
-            <p:ph sz="quarter" idx="13"/>
-          </p:nvPr>
-        </p:nvSpPr>
-        <p:spPr/>
-        <p:txBody>
-          <a:bodyPr/>
-          <a:lstStyle/>
-          <a:p>
-            <a:endParaRPr lang="ko-KR" altLang="en-US"/>
-          </a:p>
-        </p:txBody>
-      </p:sp>
-      <p:pic>
-        <p:nvPicPr>
-          <p:cNvPr id="4" name="그림 3">
-            <a:extLst>
-              <a:ext uri="{FF2B5EF4-FFF2-40B4-BE49-F238E27FC236}">
-                <a16:creationId xmlns:a16="http://schemas.microsoft.com/office/drawing/2014/main" id="{592AF878-0A30-470E-BE3C-00E2CFF0F1B3}"/>
-              </a:ext>
-            </a:extLst>
-          </p:cNvPr>
-          <p:cNvPicPr>
-            <a:picLocks noChangeAspect="1"/>
-          </p:cNvPicPr>
-          <p:nvPr/>
-        </p:nvPicPr>
-        <p:blipFill>
-          <a:blip r:embed="rId2"/>
-          <a:stretch>
-            <a:fillRect/>
-          </a:stretch>
-        </p:blipFill>
-        <p:spPr>
-          <a:xfrm>
-            <a:off x="271462" y="385762"/>
-            <a:ext cx="11649075" cy="6086475"/>
-          </a:xfrm>
-          <a:prstGeom prst="rect">
-            <a:avLst/>
-          </a:prstGeom>
-        </p:spPr>
-      </p:pic>
-    </p:spTree>
-    <p:extLst>
-      <p:ext uri="{BB962C8B-B14F-4D97-AF65-F5344CB8AC3E}">
-        <p14:creationId xmlns:p14="http://schemas.microsoft.com/office/powerpoint/2010/main" val="324242803"/>
-      </p:ext>
-    </p:extLst>
-  </p:cSld>
-  <p:clrMapOvr>
-    <a:masterClrMapping/>
-  </p:clrMapOvr>
-</p:sld>
-</file>
-
-<file path=ppt/slides/slide11.xml><?xml version="1.0" encoding="utf-8"?>
-<p:sld xmlns:a="http://schemas.openxmlformats.org/drawingml/2006/main" xmlns:r="http://schemas.openxmlformats.org/officeDocument/2006/relationships" xmlns:p="http://schemas.openxmlformats.org/presentationml/2006/main">
-  <p:cSld>
-    <p:spTree>
-      <p:nvGrpSpPr>
-        <p:cNvPr id="1" name=""/>
-        <p:cNvGrpSpPr/>
-        <p:nvPr/>
-      </p:nvGrpSpPr>
-      <p:grpSpPr>
-        <a:xfrm>
-          <a:off x="0" y="0"/>
-          <a:ext cx="0" cy="0"/>
-          <a:chOff x="0" y="0"/>
-          <a:chExt cx="0" cy="0"/>
-        </a:xfrm>
-      </p:grpSpPr>
-      <p:sp>
-        <p:nvSpPr>
-          <p:cNvPr id="2" name="제목 1">
-            <a:extLst>
-              <a:ext uri="{FF2B5EF4-FFF2-40B4-BE49-F238E27FC236}">
                 <a16:creationId xmlns:a16="http://schemas.microsoft.com/office/drawing/2014/main" id="{4D469B6D-6A90-41EE-9E12-8B3B8FF48525}"/>
               </a:ext>
             </a:extLst>
@@ -6943,7 +6835,7 @@
 </p:sld>
 </file>
 
-<file path=ppt/slides/slide12.xml><?xml version="1.0" encoding="utf-8"?>
+<file path=ppt/slides/slide11.xml><?xml version="1.0" encoding="utf-8"?>
 <p:sld xmlns:a="http://schemas.openxmlformats.org/drawingml/2006/main" xmlns:r="http://schemas.openxmlformats.org/officeDocument/2006/relationships" xmlns:p="http://schemas.openxmlformats.org/presentationml/2006/main">
   <p:cSld>
     <p:spTree>
@@ -7061,7 +6953,7 @@
         </p:blipFill>
         <p:spPr>
           <a:xfrm>
-            <a:off x="2346254" y="182880"/>
+            <a:off x="2346254" y="156247"/>
             <a:ext cx="7499491" cy="5638800"/>
           </a:xfrm>
           <a:prstGeom prst="rect">
@@ -7082,7 +6974,7 @@
 </p:sld>
 </file>
 
-<file path=ppt/slides/slide13.xml><?xml version="1.0" encoding="utf-8"?>
+<file path=ppt/slides/slide12.xml><?xml version="1.0" encoding="utf-8"?>
 <p:sld xmlns:a="http://schemas.openxmlformats.org/drawingml/2006/main" xmlns:r="http://schemas.openxmlformats.org/officeDocument/2006/relationships" xmlns:p="http://schemas.openxmlformats.org/presentationml/2006/main">
   <p:cSld>
     <p:spTree>
@@ -9331,7 +9223,7 @@
 </p:sld>
 </file>
 
-<file path=ppt/slides/slide14.xml><?xml version="1.0" encoding="utf-8"?>
+<file path=ppt/slides/slide13.xml><?xml version="1.0" encoding="utf-8"?>
 <p:sld xmlns:a="http://schemas.openxmlformats.org/drawingml/2006/main" xmlns:r="http://schemas.openxmlformats.org/officeDocument/2006/relationships" xmlns:p="http://schemas.openxmlformats.org/presentationml/2006/main">
   <p:cSld>
     <p:spTree>
@@ -11518,7 +11410,7 @@
 </p:sld>
 </file>
 
-<file path=ppt/slides/slide15.xml><?xml version="1.0" encoding="utf-8"?>
+<file path=ppt/slides/slide14.xml><?xml version="1.0" encoding="utf-8"?>
 <p:sld xmlns:a="http://schemas.openxmlformats.org/drawingml/2006/main" xmlns:r="http://schemas.openxmlformats.org/officeDocument/2006/relationships" xmlns:p="http://schemas.openxmlformats.org/presentationml/2006/main">
   <p:cSld>
     <p:spTree>
@@ -11628,7 +11520,7 @@
 </p:sld>
 </file>
 
-<file path=ppt/slides/slide16.xml><?xml version="1.0" encoding="utf-8"?>
+<file path=ppt/slides/slide15.xml><?xml version="1.0" encoding="utf-8"?>
 <p:sld xmlns:a="http://schemas.openxmlformats.org/drawingml/2006/main" xmlns:r="http://schemas.openxmlformats.org/officeDocument/2006/relationships" xmlns:p="http://schemas.openxmlformats.org/presentationml/2006/main">
   <p:cSld>
     <p:spTree>
@@ -11755,7 +11647,7 @@
 </p:sld>
 </file>
 
-<file path=ppt/slides/slide17.xml><?xml version="1.0" encoding="utf-8"?>
+<file path=ppt/slides/slide16.xml><?xml version="1.0" encoding="utf-8"?>
 <p:sld xmlns:a="http://schemas.openxmlformats.org/drawingml/2006/main" xmlns:r="http://schemas.openxmlformats.org/officeDocument/2006/relationships" xmlns:p="http://schemas.openxmlformats.org/presentationml/2006/main">
   <p:cSld>
     <p:spTree>
@@ -11853,7 +11745,7 @@
 </p:sld>
 </file>
 
-<file path=ppt/slides/slide18.xml><?xml version="1.0" encoding="utf-8"?>
+<file path=ppt/slides/slide17.xml><?xml version="1.0" encoding="utf-8"?>
 <p:sld xmlns:a="http://schemas.openxmlformats.org/drawingml/2006/main" xmlns:r="http://schemas.openxmlformats.org/officeDocument/2006/relationships" xmlns:p="http://schemas.openxmlformats.org/presentationml/2006/main">
   <p:cSld>
     <p:spTree>
@@ -14446,7 +14338,7 @@
 </p:sld>
 </file>
 
-<file path=ppt/slides/slide19.xml><?xml version="1.0" encoding="utf-8"?>
+<file path=ppt/slides/slide18.xml><?xml version="1.0" encoding="utf-8"?>
 <p:sld xmlns:a="http://schemas.openxmlformats.org/drawingml/2006/main" xmlns:r="http://schemas.openxmlformats.org/officeDocument/2006/relationships" xmlns:p="http://schemas.openxmlformats.org/presentationml/2006/main">
   <p:cSld>
     <p:spTree>
@@ -17007,6 +16899,116 @@
     <p:extLst>
       <p:ext uri="{BB962C8B-B14F-4D97-AF65-F5344CB8AC3E}">
         <p14:creationId xmlns:p14="http://schemas.microsoft.com/office/powerpoint/2010/main" val="918275406"/>
+      </p:ext>
+    </p:extLst>
+  </p:cSld>
+  <p:clrMapOvr>
+    <a:masterClrMapping/>
+  </p:clrMapOvr>
+</p:sld>
+</file>
+
+<file path=ppt/slides/slide19.xml><?xml version="1.0" encoding="utf-8"?>
+<p:sld xmlns:a="http://schemas.openxmlformats.org/drawingml/2006/main" xmlns:r="http://schemas.openxmlformats.org/officeDocument/2006/relationships" xmlns:p="http://schemas.openxmlformats.org/presentationml/2006/main">
+  <p:cSld>
+    <p:spTree>
+      <p:nvGrpSpPr>
+        <p:cNvPr id="1" name=""/>
+        <p:cNvGrpSpPr/>
+        <p:nvPr/>
+      </p:nvGrpSpPr>
+      <p:grpSpPr>
+        <a:xfrm>
+          <a:off x="0" y="0"/>
+          <a:ext cx="0" cy="0"/>
+          <a:chOff x="0" y="0"/>
+          <a:chExt cx="0" cy="0"/>
+        </a:xfrm>
+      </p:grpSpPr>
+      <p:sp>
+        <p:nvSpPr>
+          <p:cNvPr id="2" name="제목 1">
+            <a:extLst>
+              <a:ext uri="{FF2B5EF4-FFF2-40B4-BE49-F238E27FC236}">
+                <a16:creationId xmlns:a16="http://schemas.microsoft.com/office/drawing/2014/main" id="{AF9B1DBF-5E8E-4F63-BF7C-BCA0B4977E16}"/>
+              </a:ext>
+            </a:extLst>
+          </p:cNvPr>
+          <p:cNvSpPr>
+            <a:spLocks noGrp="1"/>
+          </p:cNvSpPr>
+          <p:nvPr>
+            <p:ph type="title"/>
+          </p:nvPr>
+        </p:nvSpPr>
+        <p:spPr/>
+        <p:txBody>
+          <a:bodyPr/>
+          <a:lstStyle/>
+          <a:p>
+            <a:endParaRPr lang="ko-KR" altLang="en-US"/>
+          </a:p>
+        </p:txBody>
+      </p:sp>
+      <p:sp>
+        <p:nvSpPr>
+          <p:cNvPr id="3" name="내용 개체 틀 2">
+            <a:extLst>
+              <a:ext uri="{FF2B5EF4-FFF2-40B4-BE49-F238E27FC236}">
+                <a16:creationId xmlns:a16="http://schemas.microsoft.com/office/drawing/2014/main" id="{529983AA-45F9-4FA5-99D8-57781BE9943E}"/>
+              </a:ext>
+            </a:extLst>
+          </p:cNvPr>
+          <p:cNvSpPr>
+            <a:spLocks noGrp="1"/>
+          </p:cNvSpPr>
+          <p:nvPr>
+            <p:ph sz="quarter" idx="13"/>
+          </p:nvPr>
+        </p:nvSpPr>
+        <p:spPr/>
+        <p:txBody>
+          <a:bodyPr/>
+          <a:lstStyle/>
+          <a:p>
+            <a:endParaRPr lang="ko-KR" altLang="en-US"/>
+          </a:p>
+        </p:txBody>
+      </p:sp>
+      <p:pic>
+        <p:nvPicPr>
+          <p:cNvPr id="4" name="그림 3">
+            <a:extLst>
+              <a:ext uri="{FF2B5EF4-FFF2-40B4-BE49-F238E27FC236}">
+                <a16:creationId xmlns:a16="http://schemas.microsoft.com/office/drawing/2014/main" id="{D9447B8E-EBC6-46E4-AEEC-7E0391BCA829}"/>
+              </a:ext>
+            </a:extLst>
+          </p:cNvPr>
+          <p:cNvPicPr>
+            <a:picLocks noChangeAspect="1"/>
+          </p:cNvPicPr>
+          <p:nvPr/>
+        </p:nvPicPr>
+        <p:blipFill>
+          <a:blip r:embed="rId2"/>
+          <a:stretch>
+            <a:fillRect/>
+          </a:stretch>
+        </p:blipFill>
+        <p:spPr>
+          <a:xfrm>
+            <a:off x="271149" y="385762"/>
+            <a:ext cx="11649075" cy="6086475"/>
+          </a:xfrm>
+          <a:prstGeom prst="rect">
+            <a:avLst/>
+          </a:prstGeom>
+        </p:spPr>
+      </p:pic>
+    </p:spTree>
+    <p:extLst>
+      <p:ext uri="{BB962C8B-B14F-4D97-AF65-F5344CB8AC3E}">
+        <p14:creationId xmlns:p14="http://schemas.microsoft.com/office/powerpoint/2010/main" val="843981095"/>
       </p:ext>
     </p:extLst>
   </p:cSld>
@@ -17369,116 +17371,6 @@
           <p:cNvPr id="2" name="제목 1">
             <a:extLst>
               <a:ext uri="{FF2B5EF4-FFF2-40B4-BE49-F238E27FC236}">
-                <a16:creationId xmlns:a16="http://schemas.microsoft.com/office/drawing/2014/main" id="{AF9B1DBF-5E8E-4F63-BF7C-BCA0B4977E16}"/>
-              </a:ext>
-            </a:extLst>
-          </p:cNvPr>
-          <p:cNvSpPr>
-            <a:spLocks noGrp="1"/>
-          </p:cNvSpPr>
-          <p:nvPr>
-            <p:ph type="title"/>
-          </p:nvPr>
-        </p:nvSpPr>
-        <p:spPr/>
-        <p:txBody>
-          <a:bodyPr/>
-          <a:lstStyle/>
-          <a:p>
-            <a:endParaRPr lang="ko-KR" altLang="en-US"/>
-          </a:p>
-        </p:txBody>
-      </p:sp>
-      <p:sp>
-        <p:nvSpPr>
-          <p:cNvPr id="3" name="내용 개체 틀 2">
-            <a:extLst>
-              <a:ext uri="{FF2B5EF4-FFF2-40B4-BE49-F238E27FC236}">
-                <a16:creationId xmlns:a16="http://schemas.microsoft.com/office/drawing/2014/main" id="{529983AA-45F9-4FA5-99D8-57781BE9943E}"/>
-              </a:ext>
-            </a:extLst>
-          </p:cNvPr>
-          <p:cNvSpPr>
-            <a:spLocks noGrp="1"/>
-          </p:cNvSpPr>
-          <p:nvPr>
-            <p:ph sz="quarter" idx="13"/>
-          </p:nvPr>
-        </p:nvSpPr>
-        <p:spPr/>
-        <p:txBody>
-          <a:bodyPr/>
-          <a:lstStyle/>
-          <a:p>
-            <a:endParaRPr lang="ko-KR" altLang="en-US"/>
-          </a:p>
-        </p:txBody>
-      </p:sp>
-      <p:pic>
-        <p:nvPicPr>
-          <p:cNvPr id="4" name="그림 3">
-            <a:extLst>
-              <a:ext uri="{FF2B5EF4-FFF2-40B4-BE49-F238E27FC236}">
-                <a16:creationId xmlns:a16="http://schemas.microsoft.com/office/drawing/2014/main" id="{D9447B8E-EBC6-46E4-AEEC-7E0391BCA829}"/>
-              </a:ext>
-            </a:extLst>
-          </p:cNvPr>
-          <p:cNvPicPr>
-            <a:picLocks noChangeAspect="1"/>
-          </p:cNvPicPr>
-          <p:nvPr/>
-        </p:nvPicPr>
-        <p:blipFill>
-          <a:blip r:embed="rId2"/>
-          <a:stretch>
-            <a:fillRect/>
-          </a:stretch>
-        </p:blipFill>
-        <p:spPr>
-          <a:xfrm>
-            <a:off x="271149" y="385762"/>
-            <a:ext cx="11649075" cy="6086475"/>
-          </a:xfrm>
-          <a:prstGeom prst="rect">
-            <a:avLst/>
-          </a:prstGeom>
-        </p:spPr>
-      </p:pic>
-    </p:spTree>
-    <p:extLst>
-      <p:ext uri="{BB962C8B-B14F-4D97-AF65-F5344CB8AC3E}">
-        <p14:creationId xmlns:p14="http://schemas.microsoft.com/office/powerpoint/2010/main" val="843981095"/>
-      </p:ext>
-    </p:extLst>
-  </p:cSld>
-  <p:clrMapOvr>
-    <a:masterClrMapping/>
-  </p:clrMapOvr>
-</p:sld>
-</file>
-
-<file path=ppt/slides/slide21.xml><?xml version="1.0" encoding="utf-8"?>
-<p:sld xmlns:a="http://schemas.openxmlformats.org/drawingml/2006/main" xmlns:r="http://schemas.openxmlformats.org/officeDocument/2006/relationships" xmlns:p="http://schemas.openxmlformats.org/presentationml/2006/main">
-  <p:cSld>
-    <p:spTree>
-      <p:nvGrpSpPr>
-        <p:cNvPr id="1" name=""/>
-        <p:cNvGrpSpPr/>
-        <p:nvPr/>
-      </p:nvGrpSpPr>
-      <p:grpSpPr>
-        <a:xfrm>
-          <a:off x="0" y="0"/>
-          <a:ext cx="0" cy="0"/>
-          <a:chOff x="0" y="0"/>
-          <a:chExt cx="0" cy="0"/>
-        </a:xfrm>
-      </p:grpSpPr>
-      <p:sp>
-        <p:nvSpPr>
-          <p:cNvPr id="2" name="제목 1">
-            <a:extLst>
-              <a:ext uri="{FF2B5EF4-FFF2-40B4-BE49-F238E27FC236}">
                 <a16:creationId xmlns:a16="http://schemas.microsoft.com/office/drawing/2014/main" id="{5107F535-3C0E-4427-B6E1-4D834454A7B4}"/>
               </a:ext>
             </a:extLst>
@@ -17567,7 +17459,7 @@
 </p:sld>
 </file>
 
-<file path=ppt/slides/slide22.xml><?xml version="1.0" encoding="utf-8"?>
+<file path=ppt/slides/slide21.xml><?xml version="1.0" encoding="utf-8"?>
 <p:sld xmlns:a="http://schemas.openxmlformats.org/drawingml/2006/main" xmlns:r="http://schemas.openxmlformats.org/officeDocument/2006/relationships" xmlns:p="http://schemas.openxmlformats.org/presentationml/2006/main">
   <p:cSld>
     <p:spTree>
@@ -17665,7 +17557,7 @@
 </p:sld>
 </file>
 
-<file path=ppt/slides/slide23.xml><?xml version="1.0" encoding="utf-8"?>
+<file path=ppt/slides/slide22.xml><?xml version="1.0" encoding="utf-8"?>
 <p:sld xmlns:a="http://schemas.openxmlformats.org/drawingml/2006/main" xmlns:r="http://schemas.openxmlformats.org/officeDocument/2006/relationships" xmlns:p="http://schemas.openxmlformats.org/presentationml/2006/main">
   <p:cSld>
     <p:spTree>
@@ -18046,224 +17938,6 @@
             </a:pPr>
             <a:r>
               <a:rPr lang="ko-KR" altLang="en-US" dirty="0"/>
-              <a:t>솔루션 디렉토리에 있는 </a:t>
-            </a:r>
-            <a:r>
-              <a:rPr lang="en-US" altLang="ko-KR" dirty="0"/>
-              <a:t>txt</a:t>
-            </a:r>
-            <a:r>
-              <a:rPr lang="ko-KR" altLang="en-US" dirty="0"/>
-              <a:t>파일을 불러온다</a:t>
-            </a:r>
-            <a:r>
-              <a:rPr lang="en-US" altLang="ko-KR" dirty="0"/>
-              <a:t>.</a:t>
-            </a:r>
-          </a:p>
-          <a:p>
-            <a:pPr>
-              <a:lnSpc>
-                <a:spcPct val="150000"/>
-              </a:lnSpc>
-            </a:pPr>
-            <a:r>
-              <a:rPr lang="en-US" altLang="ko-KR" dirty="0"/>
-              <a:t>_finddatai64_t</a:t>
-            </a:r>
-            <a:r>
-              <a:rPr lang="ko-KR" altLang="en-US" dirty="0"/>
-              <a:t>형 변수</a:t>
-            </a:r>
-            <a:r>
-              <a:rPr lang="en-US" altLang="ko-KR" dirty="0"/>
-              <a:t> </a:t>
-            </a:r>
-            <a:r>
-              <a:rPr lang="en-US" altLang="ko-KR" dirty="0" err="1"/>
-              <a:t>findFile</a:t>
-            </a:r>
-            <a:r>
-              <a:rPr lang="ko-KR" altLang="en-US" dirty="0"/>
-              <a:t>을 선언한다</a:t>
-            </a:r>
-            <a:r>
-              <a:rPr lang="en-US" altLang="ko-KR" dirty="0"/>
-              <a:t>.</a:t>
-            </a:r>
-          </a:p>
-          <a:p>
-            <a:pPr>
-              <a:lnSpc>
-                <a:spcPct val="150000"/>
-              </a:lnSpc>
-            </a:pPr>
-            <a:r>
-              <a:rPr lang="en-US" altLang="ko-KR" dirty="0"/>
-              <a:t>char path[] = "*.txt</a:t>
-            </a:r>
-            <a:r>
-              <a:rPr lang="ko-KR" altLang="en-US" dirty="0"/>
-              <a:t>＂를 통해 솔루션 디렉토리 안의 </a:t>
-            </a:r>
-            <a:r>
-              <a:rPr lang="en-US" altLang="ko-KR" dirty="0"/>
-              <a:t>txt</a:t>
-            </a:r>
-            <a:r>
-              <a:rPr lang="ko-KR" altLang="en-US" dirty="0"/>
-              <a:t>확장자를 같는 파일 목록을 읽는다</a:t>
-            </a:r>
-            <a:r>
-              <a:rPr lang="en-US" altLang="ko-KR" dirty="0"/>
-              <a:t>.</a:t>
-            </a:r>
-          </a:p>
-          <a:p>
-            <a:pPr>
-              <a:lnSpc>
-                <a:spcPct val="150000"/>
-              </a:lnSpc>
-            </a:pPr>
-            <a:r>
-              <a:rPr lang="en-US" altLang="ko-KR" dirty="0"/>
-              <a:t>_findfirsti64(path, &amp;</a:t>
-            </a:r>
-            <a:r>
-              <a:rPr lang="en-US" altLang="ko-KR" dirty="0" err="1"/>
-              <a:t>findFile</a:t>
-            </a:r>
-            <a:r>
-              <a:rPr lang="en-US" altLang="ko-KR" dirty="0"/>
-              <a:t>)</a:t>
-            </a:r>
-          </a:p>
-          <a:p>
-            <a:pPr>
-              <a:lnSpc>
-                <a:spcPct val="150000"/>
-              </a:lnSpc>
-            </a:pPr>
-            <a:r>
-              <a:rPr lang="en-US" altLang="ko-KR" dirty="0"/>
-              <a:t>_findnexti64(</a:t>
-            </a:r>
-            <a:r>
-              <a:rPr lang="en-US" altLang="ko-KR" dirty="0" err="1"/>
-              <a:t>hFile</a:t>
-            </a:r>
-            <a:r>
-              <a:rPr lang="en-US" altLang="ko-KR" dirty="0"/>
-              <a:t>, &amp;</a:t>
-            </a:r>
-            <a:r>
-              <a:rPr lang="en-US" altLang="ko-KR" dirty="0" err="1"/>
-              <a:t>findFile</a:t>
-            </a:r>
-            <a:r>
-              <a:rPr lang="en-US" altLang="ko-KR" dirty="0"/>
-              <a:t>)</a:t>
-            </a:r>
-          </a:p>
-          <a:p>
-            <a:pPr marL="0" indent="0">
-              <a:lnSpc>
-                <a:spcPct val="150000"/>
-              </a:lnSpc>
-              <a:buNone/>
-            </a:pPr>
-            <a:endParaRPr lang="ko-KR" altLang="en-US" dirty="0"/>
-          </a:p>
-        </p:txBody>
-      </p:sp>
-    </p:spTree>
-    <p:extLst>
-      <p:ext uri="{BB962C8B-B14F-4D97-AF65-F5344CB8AC3E}">
-        <p14:creationId xmlns:p14="http://schemas.microsoft.com/office/powerpoint/2010/main" val="3561639529"/>
-      </p:ext>
-    </p:extLst>
-  </p:cSld>
-  <p:clrMapOvr>
-    <a:masterClrMapping/>
-  </p:clrMapOvr>
-</p:sld>
-</file>
-
-<file path=ppt/slides/slide5.xml><?xml version="1.0" encoding="utf-8"?>
-<p:sld xmlns:a="http://schemas.openxmlformats.org/drawingml/2006/main" xmlns:r="http://schemas.openxmlformats.org/officeDocument/2006/relationships" xmlns:p="http://schemas.openxmlformats.org/presentationml/2006/main">
-  <p:cSld>
-    <p:spTree>
-      <p:nvGrpSpPr>
-        <p:cNvPr id="1" name=""/>
-        <p:cNvGrpSpPr/>
-        <p:nvPr/>
-      </p:nvGrpSpPr>
-      <p:grpSpPr>
-        <a:xfrm>
-          <a:off x="0" y="0"/>
-          <a:ext cx="0" cy="0"/>
-          <a:chOff x="0" y="0"/>
-          <a:chExt cx="0" cy="0"/>
-        </a:xfrm>
-      </p:grpSpPr>
-      <p:sp>
-        <p:nvSpPr>
-          <p:cNvPr id="2" name="제목 1">
-            <a:extLst>
-              <a:ext uri="{FF2B5EF4-FFF2-40B4-BE49-F238E27FC236}">
-                <a16:creationId xmlns:a16="http://schemas.microsoft.com/office/drawing/2014/main" id="{EE77B146-A70B-40E8-A029-F791410E08B7}"/>
-              </a:ext>
-            </a:extLst>
-          </p:cNvPr>
-          <p:cNvSpPr>
-            <a:spLocks noGrp="1"/>
-          </p:cNvSpPr>
-          <p:nvPr>
-            <p:ph type="title"/>
-          </p:nvPr>
-        </p:nvSpPr>
-        <p:spPr/>
-        <p:txBody>
-          <a:bodyPr/>
-          <a:lstStyle/>
-          <a:p>
-            <a:r>
-              <a:rPr lang="ko-KR" altLang="en-US" dirty="0"/>
-              <a:t>대상 파일 불러오기</a:t>
-            </a:r>
-          </a:p>
-        </p:txBody>
-      </p:sp>
-      <p:sp>
-        <p:nvSpPr>
-          <p:cNvPr id="3" name="내용 개체 틀 2">
-            <a:extLst>
-              <a:ext uri="{FF2B5EF4-FFF2-40B4-BE49-F238E27FC236}">
-                <a16:creationId xmlns:a16="http://schemas.microsoft.com/office/drawing/2014/main" id="{E50DBA5C-C527-4E2F-A70B-0C2717B837B0}"/>
-              </a:ext>
-            </a:extLst>
-          </p:cNvPr>
-          <p:cNvSpPr>
-            <a:spLocks noGrp="1"/>
-          </p:cNvSpPr>
-          <p:nvPr>
-            <p:ph sz="quarter" idx="13"/>
-          </p:nvPr>
-        </p:nvSpPr>
-        <p:spPr/>
-        <p:txBody>
-          <a:bodyPr>
-            <a:normAutofit/>
-          </a:bodyPr>
-          <a:lstStyle/>
-          <a:p>
-            <a:pPr>
-              <a:lnSpc>
-                <a:spcPct val="150000"/>
-              </a:lnSpc>
-            </a:pPr>
-            <a:r>
-              <a:rPr lang="ko-KR" altLang="en-US" dirty="0"/>
               <a:t>절대경로</a:t>
             </a:r>
             <a:r>
@@ -18365,7 +18039,7 @@
 </p:sld>
 </file>
 
-<file path=ppt/slides/slide6.xml><?xml version="1.0" encoding="utf-8"?>
+<file path=ppt/slides/slide5.xml><?xml version="1.0" encoding="utf-8"?>
 <p:sld xmlns:a="http://schemas.openxmlformats.org/drawingml/2006/main" xmlns:r="http://schemas.openxmlformats.org/officeDocument/2006/relationships" xmlns:p="http://schemas.openxmlformats.org/presentationml/2006/main">
   <p:cSld>
     <p:spTree>
@@ -19818,7 +19492,7 @@
 </p:sld>
 </file>
 
-<file path=ppt/slides/slide7.xml><?xml version="1.0" encoding="utf-8"?>
+<file path=ppt/slides/slide6.xml><?xml version="1.0" encoding="utf-8"?>
 <p:sld xmlns:a="http://schemas.openxmlformats.org/drawingml/2006/main" xmlns:r="http://schemas.openxmlformats.org/officeDocument/2006/relationships" xmlns:p="http://schemas.openxmlformats.org/presentationml/2006/main">
   <p:cSld>
     <p:spTree>
@@ -19851,7 +19525,7 @@
             <p:ph sz="quarter" idx="13"/>
             <p:extLst>
               <p:ext uri="{D42A27DB-BD31-4B8C-83A1-F6EECF244321}">
-                <p14:modId xmlns:p14="http://schemas.microsoft.com/office/powerpoint/2010/main" val="4006163784"/>
+                <p14:modId xmlns:p14="http://schemas.microsoft.com/office/powerpoint/2010/main" val="3737068404"/>
               </p:ext>
             </p:extLst>
           </p:nvPr>
@@ -21102,6 +20776,23 @@
                         </a:rPr>
                         <a:t>        </a:t>
                       </a:r>
+                      <a:r>
+                        <a:rPr lang="ko-KR" altLang="en-US" sz="1300" dirty="0">
+                          <a:solidFill>
+                            <a:srgbClr val="010101"/>
+                          </a:solidFill>
+                          <a:effectLst/>
+                          <a:latin typeface="Consolas" panose="020B0609020204030204" pitchFamily="49" charset="0"/>
+                        </a:rPr>
+                        <a:t>에러 출력</a:t>
+                      </a:r>
+                      <a:endParaRPr lang="en-US" sz="1300" dirty="0">
+                        <a:solidFill>
+                          <a:srgbClr val="010101"/>
+                        </a:solidFill>
+                        <a:effectLst/>
+                        <a:latin typeface="Consolas" panose="020B0609020204030204" pitchFamily="49" charset="0"/>
+                      </a:endParaRPr>
                     </a:p>
                     <a:p>
                       <a:pPr marL="0" marR="0">
@@ -22359,7 +22050,7 @@
 </p:sld>
 </file>
 
-<file path=ppt/slides/slide8.xml><?xml version="1.0" encoding="utf-8"?>
+<file path=ppt/slides/slide7.xml><?xml version="1.0" encoding="utf-8"?>
 <p:sld xmlns:a="http://schemas.openxmlformats.org/drawingml/2006/main" xmlns:r="http://schemas.openxmlformats.org/officeDocument/2006/relationships" xmlns:p="http://schemas.openxmlformats.org/presentationml/2006/main">
   <p:cSld>
     <p:spTree>
@@ -22497,7 +22188,7 @@
             <p:ph sz="quarter" idx="13"/>
             <p:extLst>
               <p:ext uri="{D42A27DB-BD31-4B8C-83A1-F6EECF244321}">
-                <p14:modId xmlns:p14="http://schemas.microsoft.com/office/powerpoint/2010/main" val="3720329305"/>
+                <p14:modId xmlns:p14="http://schemas.microsoft.com/office/powerpoint/2010/main" val="1818812628"/>
               </p:ext>
             </p:extLst>
           </p:nvPr>
@@ -23538,7 +23229,7 @@
                           <a:effectLst/>
                           <a:latin typeface="Consolas" panose="020B0609020204030204" pitchFamily="49" charset="0"/>
                         </a:rPr>
-                        <a:t>getSize</a:t>
+                        <a:t>idx</a:t>
                       </a:r>
                       <a:r>
                         <a:rPr lang="en-US" sz="1400" dirty="0">
@@ -23548,7 +23239,7 @@
                           <a:effectLst/>
                           <a:latin typeface="Consolas" panose="020B0609020204030204" pitchFamily="49" charset="0"/>
                         </a:rPr>
-                        <a:t>(content);</a:t>
+                        <a:t>;</a:t>
                       </a:r>
                     </a:p>
                     <a:p>
@@ -23971,7 +23662,7 @@
 </p:sld>
 </file>
 
-<file path=ppt/slides/slide9.xml><?xml version="1.0" encoding="utf-8"?>
+<file path=ppt/slides/slide8.xml><?xml version="1.0" encoding="utf-8"?>
 <p:sld xmlns:a="http://schemas.openxmlformats.org/drawingml/2006/main" xmlns:r="http://schemas.openxmlformats.org/officeDocument/2006/relationships" xmlns:p="http://schemas.openxmlformats.org/presentationml/2006/main">
   <p:cSld>
     <p:spTree>
@@ -25722,6 +25413,116 @@
     <p:extLst>
       <p:ext uri="{BB962C8B-B14F-4D97-AF65-F5344CB8AC3E}">
         <p14:creationId xmlns:p14="http://schemas.microsoft.com/office/powerpoint/2010/main" val="1910923085"/>
+      </p:ext>
+    </p:extLst>
+  </p:cSld>
+  <p:clrMapOvr>
+    <a:masterClrMapping/>
+  </p:clrMapOvr>
+</p:sld>
+</file>
+
+<file path=ppt/slides/slide9.xml><?xml version="1.0" encoding="utf-8"?>
+<p:sld xmlns:a="http://schemas.openxmlformats.org/drawingml/2006/main" xmlns:r="http://schemas.openxmlformats.org/officeDocument/2006/relationships" xmlns:p="http://schemas.openxmlformats.org/presentationml/2006/main">
+  <p:cSld>
+    <p:spTree>
+      <p:nvGrpSpPr>
+        <p:cNvPr id="1" name=""/>
+        <p:cNvGrpSpPr/>
+        <p:nvPr/>
+      </p:nvGrpSpPr>
+      <p:grpSpPr>
+        <a:xfrm>
+          <a:off x="0" y="0"/>
+          <a:ext cx="0" cy="0"/>
+          <a:chOff x="0" y="0"/>
+          <a:chExt cx="0" cy="0"/>
+        </a:xfrm>
+      </p:grpSpPr>
+      <p:sp>
+        <p:nvSpPr>
+          <p:cNvPr id="2" name="제목 1">
+            <a:extLst>
+              <a:ext uri="{FF2B5EF4-FFF2-40B4-BE49-F238E27FC236}">
+                <a16:creationId xmlns:a16="http://schemas.microsoft.com/office/drawing/2014/main" id="{B6144FAE-E58C-4946-A42E-BD9A20419221}"/>
+              </a:ext>
+            </a:extLst>
+          </p:cNvPr>
+          <p:cNvSpPr>
+            <a:spLocks noGrp="1"/>
+          </p:cNvSpPr>
+          <p:nvPr>
+            <p:ph type="title"/>
+          </p:nvPr>
+        </p:nvSpPr>
+        <p:spPr/>
+        <p:txBody>
+          <a:bodyPr/>
+          <a:lstStyle/>
+          <a:p>
+            <a:endParaRPr lang="ko-KR" altLang="en-US"/>
+          </a:p>
+        </p:txBody>
+      </p:sp>
+      <p:sp>
+        <p:nvSpPr>
+          <p:cNvPr id="3" name="내용 개체 틀 2">
+            <a:extLst>
+              <a:ext uri="{FF2B5EF4-FFF2-40B4-BE49-F238E27FC236}">
+                <a16:creationId xmlns:a16="http://schemas.microsoft.com/office/drawing/2014/main" id="{D5C7228C-F46E-4643-B204-17544C5CAA74}"/>
+              </a:ext>
+            </a:extLst>
+          </p:cNvPr>
+          <p:cNvSpPr>
+            <a:spLocks noGrp="1"/>
+          </p:cNvSpPr>
+          <p:nvPr>
+            <p:ph sz="quarter" idx="13"/>
+          </p:nvPr>
+        </p:nvSpPr>
+        <p:spPr/>
+        <p:txBody>
+          <a:bodyPr/>
+          <a:lstStyle/>
+          <a:p>
+            <a:endParaRPr lang="ko-KR" altLang="en-US"/>
+          </a:p>
+        </p:txBody>
+      </p:sp>
+      <p:pic>
+        <p:nvPicPr>
+          <p:cNvPr id="4" name="그림 3">
+            <a:extLst>
+              <a:ext uri="{FF2B5EF4-FFF2-40B4-BE49-F238E27FC236}">
+                <a16:creationId xmlns:a16="http://schemas.microsoft.com/office/drawing/2014/main" id="{592AF878-0A30-470E-BE3C-00E2CFF0F1B3}"/>
+              </a:ext>
+            </a:extLst>
+          </p:cNvPr>
+          <p:cNvPicPr>
+            <a:picLocks noChangeAspect="1"/>
+          </p:cNvPicPr>
+          <p:nvPr/>
+        </p:nvPicPr>
+        <p:blipFill>
+          <a:blip r:embed="rId2"/>
+          <a:stretch>
+            <a:fillRect/>
+          </a:stretch>
+        </p:blipFill>
+        <p:spPr>
+          <a:xfrm>
+            <a:off x="271462" y="385762"/>
+            <a:ext cx="11649075" cy="6086475"/>
+          </a:xfrm>
+          <a:prstGeom prst="rect">
+            <a:avLst/>
+          </a:prstGeom>
+        </p:spPr>
+      </p:pic>
+    </p:spTree>
+    <p:extLst>
+      <p:ext uri="{BB962C8B-B14F-4D97-AF65-F5344CB8AC3E}">
+        <p14:creationId xmlns:p14="http://schemas.microsoft.com/office/powerpoint/2010/main" val="324242803"/>
       </p:ext>
     </p:extLst>
   </p:cSld>
